--- a/CVs for visualization python programming.pptx
+++ b/CVs for visualization python programming.pptx
@@ -108,7 +108,7 @@
   </p:defaultTextStyle>
   <p:extLst>
     <p:ext uri="{EFAFB233-063F-42B5-8137-9DF3F51BA10A}">
-      <p15:sldGuideLst xmlns:p15="http://schemas.microsoft.com/office/powerpoint/2012/main">
+      <p15:sldGuideLst xmlns:p15="http://schemas.microsoft.com/office/powerpoint/2012/main" xmlns="">
         <p15:guide id="1" orient="horz" pos="2160">
           <p15:clr>
             <a:srgbClr val="A4A3A4"/>
@@ -2602,7 +2602,7 @@
   </p:txStyles>
   <p:extLst mod="1">
     <p:ext uri="{27BBF7A9-308A-43DC-89C8-2F10F3537804}">
-      <p15:sldGuideLst xmlns:p15="http://schemas.microsoft.com/office/powerpoint/2012/main">
+      <p15:sldGuideLst xmlns:p15="http://schemas.microsoft.com/office/powerpoint/2012/main" xmlns="">
         <p15:guide id="1" orient="horz" pos="2160" userDrawn="1">
           <p15:clr>
             <a:srgbClr val="F26B43"/>
@@ -7444,14 +7444,14 @@
           <p:nvPr>
             <p:extLst>
               <p:ext uri="{D42A27DB-BD31-4B8C-83A1-F6EECF244321}">
-                <p14:modId xmlns:p14="http://schemas.microsoft.com/office/powerpoint/2010/main" val="2775999707"/>
+                <p14:modId xmlns:p14="http://schemas.microsoft.com/office/powerpoint/2010/main" val="94202245"/>
               </p:ext>
             </p:extLst>
           </p:nvPr>
         </p:nvGraphicFramePr>
         <p:xfrm>
           <a:off x="457200" y="1899741"/>
-          <a:ext cx="8211600" cy="1889640"/>
+          <a:ext cx="8211600" cy="2163960"/>
         </p:xfrm>
         <a:graphic>
           <a:graphicData uri="http://schemas.openxmlformats.org/drawingml/2006/table">
@@ -8058,8 +8058,126 @@
                           <a:ea typeface="+mn-ea"/>
                           <a:cs typeface="Arial" pitchFamily="34" charset="0"/>
                         </a:rPr>
-                        <a:t>Currently undergoing Moody’s Analytics Knowledge Services’ training program.</a:t>
+                        <a:t>Scraping Websites, finding </a:t>
                       </a:r>
+                      <a:r>
+                        <a:rPr lang="en-US" sz="900" kern="1200" spc="0" baseline="0" dirty="0" err="1" smtClean="0">
+                          <a:solidFill>
+                            <a:schemeClr val="bg2"/>
+                          </a:solidFill>
+                          <a:latin typeface="Arial" pitchFamily="34" charset="0"/>
+                          <a:ea typeface="+mn-ea"/>
+                          <a:cs typeface="Arial" pitchFamily="34" charset="0"/>
+                        </a:rPr>
+                        <a:t>api’s</a:t>
+                      </a:r>
+                      <a:r>
+                        <a:rPr lang="en-US" sz="900" kern="1200" spc="0" baseline="0" dirty="0" smtClean="0">
+                          <a:solidFill>
+                            <a:schemeClr val="bg2"/>
+                          </a:solidFill>
+                          <a:latin typeface="Arial" pitchFamily="34" charset="0"/>
+                          <a:ea typeface="+mn-ea"/>
+                          <a:cs typeface="Arial" pitchFamily="34" charset="0"/>
+                        </a:rPr>
+                        <a:t>, Getting Data inside text, using python regular expression, finding the ways for scraping websites like different technologies, scraping </a:t>
+                      </a:r>
+                      <a:r>
+                        <a:rPr lang="en-US" sz="900" kern="1200" spc="0" baseline="0" dirty="0" err="1" smtClean="0">
+                          <a:solidFill>
+                            <a:schemeClr val="bg2"/>
+                          </a:solidFill>
+                          <a:latin typeface="Arial" pitchFamily="34" charset="0"/>
+                          <a:ea typeface="+mn-ea"/>
+                          <a:cs typeface="Arial" pitchFamily="34" charset="0"/>
+                        </a:rPr>
+                        <a:t>javascript</a:t>
+                      </a:r>
+                      <a:r>
+                        <a:rPr lang="en-US" sz="900" kern="1200" spc="0" baseline="0" dirty="0" smtClean="0">
+                          <a:solidFill>
+                            <a:schemeClr val="bg2"/>
+                          </a:solidFill>
+                          <a:latin typeface="Arial" pitchFamily="34" charset="0"/>
+                          <a:ea typeface="+mn-ea"/>
+                          <a:cs typeface="Arial" pitchFamily="34" charset="0"/>
+                        </a:rPr>
+                        <a:t> based websites, using postman for checking REST </a:t>
+                      </a:r>
+                      <a:r>
+                        <a:rPr lang="en-US" sz="900" kern="1200" spc="0" baseline="0" dirty="0" err="1" smtClean="0">
+                          <a:solidFill>
+                            <a:schemeClr val="bg2"/>
+                          </a:solidFill>
+                          <a:latin typeface="Arial" pitchFamily="34" charset="0"/>
+                          <a:ea typeface="+mn-ea"/>
+                          <a:cs typeface="Arial" pitchFamily="34" charset="0"/>
+                        </a:rPr>
+                        <a:t>api’s</a:t>
+                      </a:r>
+                      <a:r>
+                        <a:rPr lang="en-US" sz="900" kern="1200" spc="0" baseline="0" dirty="0" smtClean="0">
+                          <a:solidFill>
+                            <a:schemeClr val="bg2"/>
+                          </a:solidFill>
+                          <a:latin typeface="Arial" pitchFamily="34" charset="0"/>
+                          <a:ea typeface="+mn-ea"/>
+                          <a:cs typeface="Arial" pitchFamily="34" charset="0"/>
+                        </a:rPr>
+                        <a:t>, using pandas for data filtering, using request and </a:t>
+                      </a:r>
+                      <a:r>
+                        <a:rPr lang="en-US" sz="900" kern="1200" spc="0" baseline="0" dirty="0" err="1" smtClean="0">
+                          <a:solidFill>
+                            <a:schemeClr val="bg2"/>
+                          </a:solidFill>
+                          <a:latin typeface="Arial" pitchFamily="34" charset="0"/>
+                          <a:ea typeface="+mn-ea"/>
+                          <a:cs typeface="Arial" pitchFamily="34" charset="0"/>
+                        </a:rPr>
+                        <a:t>beautifulsoup</a:t>
+                      </a:r>
+                      <a:r>
+                        <a:rPr lang="en-US" sz="900" kern="1200" spc="0" baseline="0" dirty="0" smtClean="0">
+                          <a:solidFill>
+                            <a:schemeClr val="bg2"/>
+                          </a:solidFill>
+                          <a:latin typeface="Arial" pitchFamily="34" charset="0"/>
+                          <a:ea typeface="+mn-ea"/>
+                          <a:cs typeface="Arial" pitchFamily="34" charset="0"/>
+                        </a:rPr>
+                        <a:t> modules for scraping, Using selenium for scraping </a:t>
+                      </a:r>
+                      <a:r>
+                        <a:rPr lang="en-US" sz="900" kern="1200" spc="0" baseline="0" dirty="0" err="1" smtClean="0">
+                          <a:solidFill>
+                            <a:schemeClr val="bg2"/>
+                          </a:solidFill>
+                          <a:latin typeface="Arial" pitchFamily="34" charset="0"/>
+                          <a:ea typeface="+mn-ea"/>
+                          <a:cs typeface="Arial" pitchFamily="34" charset="0"/>
+                        </a:rPr>
+                        <a:t>Javascript</a:t>
+                      </a:r>
+                      <a:r>
+                        <a:rPr lang="en-US" sz="900" kern="1200" spc="0" baseline="0" dirty="0" smtClean="0">
+                          <a:solidFill>
+                            <a:schemeClr val="bg2"/>
+                          </a:solidFill>
+                          <a:latin typeface="Arial" pitchFamily="34" charset="0"/>
+                          <a:ea typeface="+mn-ea"/>
+                          <a:cs typeface="Arial" pitchFamily="34" charset="0"/>
+                        </a:rPr>
+                        <a:t> based Websites. </a:t>
+                      </a:r>
+                      <a:endParaRPr lang="en-US" sz="900" kern="1200" spc="0" baseline="0" dirty="0" smtClean="0">
+                        <a:solidFill>
+                          <a:schemeClr val="bg2"/>
+                        </a:solidFill>
+                        <a:latin typeface="Arial" pitchFamily="34" charset="0"/>
+                        <a:ea typeface="+mn-ea"/>
+                        <a:cs typeface="Arial" pitchFamily="34" charset="0"/>
+                      </a:endParaRPr>
                     </a:p>
                   </a:txBody>
                   <a:tcPr marL="46800" marR="46800" marT="46800" marB="46800">
@@ -9350,7 +9468,7 @@
   <a:extraClrSchemeLst/>
   <a:extLst>
     <a:ext uri="{05A4C25C-085E-4340-85A3-A5531E510DB2}">
-      <thm15:themeFamily xmlns:thm15="http://schemas.microsoft.com/office/thememl/2012/main" name="Office Theme" id="{62F939B6-93AF-4DB8-9C6B-D6C7DFDC589F}" vid="{4A3C46E8-61CC-4603-A589-7422A47A8E4A}"/>
+      <thm15:themeFamily xmlns:thm15="http://schemas.microsoft.com/office/thememl/2012/main" xmlns="" name="Office Theme" id="{62F939B6-93AF-4DB8-9C6B-D6C7DFDC589F}" vid="{4A3C46E8-61CC-4603-A589-7422A47A8E4A}"/>
     </a:ext>
   </a:extLst>
 </a:theme>
